--- a/Hálózatok (CsBM)/Bevált hálózatbiztonsági gyakorlatok.pptx
+++ b/Hálózatok (CsBM)/Bevált hálózatbiztonsági gyakorlatok.pptx
@@ -5758,7 +5758,7 @@
               <a:rPr lang="hu-HU" sz="2400" dirty="0">
                 <a:latin typeface="Bahnschrift" panose="020B0502040204020203" pitchFamily="34" charset="0"/>
               </a:rPr>
-              <a:t> – akadályozzuk meg a jogosulatlan hozzáférést</a:t>
+              <a:t> – Jogosulatlan hozzáférés megakadályozása</a:t>
             </a:r>
           </a:p>
           <a:p>
@@ -5918,6 +5918,9 @@
           <a:lstStyle/>
           <a:p>
             <a:pPr marL="0" indent="0">
+              <a:lnSpc>
+                <a:spcPct val="100000"/>
+              </a:lnSpc>
               <a:buNone/>
             </a:pPr>
             <a:r>
